--- a/Betclic_data_analyst_test.pptx
+++ b/Betclic_data_analyst_test.pptx
@@ -25,6 +25,7 @@
     <p:sldId id="292" r:id="rId19"/>
     <p:sldId id="293" r:id="rId20"/>
     <p:sldId id="323" r:id="rId21"/>
+    <p:sldId id="324" r:id="rId22"/>
   </p:sldIdLst>
   <p:sldSz cx="9144000" cy="6858000" type="screen4x3"/>
   <p:notesSz cx="6858000" cy="9144000"/>
@@ -307,7 +308,7 @@
           <a:p>
             <a:fld id="{A4C22ECB-F52E-484C-8EF2-5FAE912D86C0}" type="datetimeFigureOut">
               <a:rPr lang="fr-FR" smtClean="0"/>
-              <a:t>15/06/2021</a:t>
+              <a:t>16/06/2021</a:t>
             </a:fld>
             <a:endParaRPr lang="fr-FR"/>
           </a:p>
@@ -479,7 +480,7 @@
           <a:p>
             <a:fld id="{A4C22ECB-F52E-484C-8EF2-5FAE912D86C0}" type="datetimeFigureOut">
               <a:rPr lang="fr-FR" smtClean="0"/>
-              <a:t>15/06/2021</a:t>
+              <a:t>16/06/2021</a:t>
             </a:fld>
             <a:endParaRPr lang="fr-FR"/>
           </a:p>
@@ -659,7 +660,7 @@
           <a:p>
             <a:fld id="{A4C22ECB-F52E-484C-8EF2-5FAE912D86C0}" type="datetimeFigureOut">
               <a:rPr lang="fr-FR" smtClean="0"/>
-              <a:t>15/06/2021</a:t>
+              <a:t>16/06/2021</a:t>
             </a:fld>
             <a:endParaRPr lang="fr-FR"/>
           </a:p>
@@ -829,7 +830,7 @@
           <a:p>
             <a:fld id="{A4C22ECB-F52E-484C-8EF2-5FAE912D86C0}" type="datetimeFigureOut">
               <a:rPr lang="fr-FR" smtClean="0"/>
-              <a:t>15/06/2021</a:t>
+              <a:t>16/06/2021</a:t>
             </a:fld>
             <a:endParaRPr lang="fr-FR"/>
           </a:p>
@@ -1075,7 +1076,7 @@
           <a:p>
             <a:fld id="{A4C22ECB-F52E-484C-8EF2-5FAE912D86C0}" type="datetimeFigureOut">
               <a:rPr lang="fr-FR" smtClean="0"/>
-              <a:t>15/06/2021</a:t>
+              <a:t>16/06/2021</a:t>
             </a:fld>
             <a:endParaRPr lang="fr-FR"/>
           </a:p>
@@ -1364,7 +1365,7 @@
           <a:p>
             <a:fld id="{A4C22ECB-F52E-484C-8EF2-5FAE912D86C0}" type="datetimeFigureOut">
               <a:rPr lang="fr-FR" smtClean="0"/>
-              <a:t>15/06/2021</a:t>
+              <a:t>16/06/2021</a:t>
             </a:fld>
             <a:endParaRPr lang="fr-FR"/>
           </a:p>
@@ -1786,7 +1787,7 @@
           <a:p>
             <a:fld id="{A4C22ECB-F52E-484C-8EF2-5FAE912D86C0}" type="datetimeFigureOut">
               <a:rPr lang="fr-FR" smtClean="0"/>
-              <a:t>15/06/2021</a:t>
+              <a:t>16/06/2021</a:t>
             </a:fld>
             <a:endParaRPr lang="fr-FR"/>
           </a:p>
@@ -1904,7 +1905,7 @@
           <a:p>
             <a:fld id="{A4C22ECB-F52E-484C-8EF2-5FAE912D86C0}" type="datetimeFigureOut">
               <a:rPr lang="fr-FR" smtClean="0"/>
-              <a:t>15/06/2021</a:t>
+              <a:t>16/06/2021</a:t>
             </a:fld>
             <a:endParaRPr lang="fr-FR"/>
           </a:p>
@@ -1999,7 +2000,7 @@
           <a:p>
             <a:fld id="{A4C22ECB-F52E-484C-8EF2-5FAE912D86C0}" type="datetimeFigureOut">
               <a:rPr lang="fr-FR" smtClean="0"/>
-              <a:t>15/06/2021</a:t>
+              <a:t>16/06/2021</a:t>
             </a:fld>
             <a:endParaRPr lang="fr-FR"/>
           </a:p>
@@ -2276,7 +2277,7 @@
           <a:p>
             <a:fld id="{A4C22ECB-F52E-484C-8EF2-5FAE912D86C0}" type="datetimeFigureOut">
               <a:rPr lang="fr-FR" smtClean="0"/>
-              <a:t>15/06/2021</a:t>
+              <a:t>16/06/2021</a:t>
             </a:fld>
             <a:endParaRPr lang="fr-FR"/>
           </a:p>
@@ -2529,7 +2530,7 @@
           <a:p>
             <a:fld id="{A4C22ECB-F52E-484C-8EF2-5FAE912D86C0}" type="datetimeFigureOut">
               <a:rPr lang="fr-FR" smtClean="0"/>
-              <a:t>15/06/2021</a:t>
+              <a:t>16/06/2021</a:t>
             </a:fld>
             <a:endParaRPr lang="fr-FR"/>
           </a:p>
@@ -2742,7 +2743,7 @@
           <a:p>
             <a:fld id="{A4C22ECB-F52E-484C-8EF2-5FAE912D86C0}" type="datetimeFigureOut">
               <a:rPr lang="fr-FR" smtClean="0"/>
-              <a:t>15/06/2021</a:t>
+              <a:t>16/06/2021</a:t>
             </a:fld>
             <a:endParaRPr lang="fr-FR"/>
           </a:p>
@@ -3181,7 +3182,7 @@
           <p:cNvPr id="7" name="Image 6">
             <a:extLst>
               <a:ext uri="{FF2B5EF4-FFF2-40B4-BE49-F238E27FC236}">
-                <a16:creationId xmlns:a16="http://schemas.microsoft.com/office/drawing/2014/main" xmlns="" id="{7F10461B-DDFD-4BED-8C5D-6B29BDAA25E8}"/>
+                <a16:creationId xmlns="" xmlns:a16="http://schemas.microsoft.com/office/drawing/2014/main" id="{7F10461B-DDFD-4BED-8C5D-6B29BDAA25E8}"/>
               </a:ext>
             </a:extLst>
           </p:cNvPr>
@@ -3218,7 +3219,7 @@
           <p:cNvPr id="9" name="Image 8">
             <a:extLst>
               <a:ext uri="{FF2B5EF4-FFF2-40B4-BE49-F238E27FC236}">
-                <a16:creationId xmlns:a16="http://schemas.microsoft.com/office/drawing/2014/main" xmlns="" id="{25D1B7E8-C9AC-487B-BB44-80418A64A1F9}"/>
+                <a16:creationId xmlns="" xmlns:a16="http://schemas.microsoft.com/office/drawing/2014/main" id="{25D1B7E8-C9AC-487B-BB44-80418A64A1F9}"/>
               </a:ext>
             </a:extLst>
           </p:cNvPr>
@@ -4062,7 +4063,6 @@
               <a:rPr lang="en-GB" sz="3200" b="1" dirty="0" smtClean="0"/>
               <a:t>/ User Acquisition : SQL request</a:t>
             </a:r>
-            <a:endParaRPr lang="en-GB" sz="3200" b="1" dirty="0" smtClean="0"/>
           </a:p>
         </p:txBody>
       </p:sp>
@@ -4156,7 +4156,6 @@
               <a:rPr lang="en-GB" sz="3200" b="1" dirty="0" smtClean="0"/>
               <a:t>/ User Acquisition : SQL request</a:t>
             </a:r>
-            <a:endParaRPr lang="en-GB" sz="3200" b="1" dirty="0" smtClean="0"/>
           </a:p>
         </p:txBody>
       </p:sp>
@@ -4569,7 +4568,6 @@
               <a:rPr lang="en-GB" sz="3200" b="1" dirty="0" smtClean="0"/>
               <a:t>/ User Acquisition : First Analysis</a:t>
             </a:r>
-            <a:endParaRPr lang="en-GB" sz="3200" b="1" dirty="0" smtClean="0"/>
           </a:p>
         </p:txBody>
       </p:sp>
@@ -4884,7 +4882,6 @@
               <a:rPr lang="en-GB" sz="3200" b="1" dirty="0" smtClean="0"/>
               <a:t>/ User Acquisition : First Analysis</a:t>
             </a:r>
-            <a:endParaRPr lang="en-GB" sz="3200" b="1" dirty="0" smtClean="0"/>
           </a:p>
         </p:txBody>
       </p:sp>
@@ -5105,7 +5102,6 @@
               <a:rPr lang="en-GB" sz="3200" b="1" dirty="0" smtClean="0"/>
               <a:t>/ User Acquisition : First Analysis</a:t>
             </a:r>
-            <a:endParaRPr lang="en-GB" sz="3200" b="1" dirty="0" smtClean="0"/>
           </a:p>
         </p:txBody>
       </p:sp>
@@ -5342,7 +5338,6 @@
               <a:rPr lang="en-GB" sz="3200" b="1" dirty="0" smtClean="0"/>
               <a:t>/ User Acquisition : First Analysis</a:t>
             </a:r>
-            <a:endParaRPr lang="en-GB" sz="3200" b="1" dirty="0" smtClean="0"/>
           </a:p>
         </p:txBody>
       </p:sp>
@@ -5559,13 +5554,8 @@
             <a:pPr lvl="1"/>
             <a:r>
               <a:rPr lang="en-GB" sz="3200" b="1" dirty="0" smtClean="0"/>
-              <a:t>II</a:t>
-            </a:r>
-            <a:r>
-              <a:rPr lang="en-GB" sz="3200" b="1" dirty="0" smtClean="0"/>
-              <a:t>/ CRM performance : main insights</a:t>
-            </a:r>
-            <a:endParaRPr lang="en-GB" sz="3200" b="1" dirty="0" smtClean="0"/>
+              <a:t>II/ CRM performance : main insights</a:t>
+            </a:r>
           </a:p>
         </p:txBody>
       </p:sp>
@@ -8957,7 +8947,6 @@
               <a:rPr lang="en-GB" sz="3200" b="1" dirty="0" smtClean="0"/>
               <a:t>II/ CRM performance : main insights</a:t>
             </a:r>
-            <a:endParaRPr lang="en-GB" sz="3200" b="1" dirty="0" smtClean="0"/>
           </a:p>
         </p:txBody>
       </p:sp>
@@ -12305,7 +12294,6 @@
               <a:rPr lang="en-GB" sz="3200" b="1" dirty="0" smtClean="0"/>
               <a:t>/ User Acquisition : Main KPIs</a:t>
             </a:r>
-            <a:endParaRPr lang="en-GB" sz="3200" b="1" dirty="0" smtClean="0"/>
           </a:p>
         </p:txBody>
       </p:sp>
@@ -12444,15 +12432,7 @@
             </a:r>
             <a:r>
               <a:rPr lang="en-US" sz="2000" dirty="0" smtClean="0"/>
-              <a:t>“Does revenue better for SEO than SEA </a:t>
-            </a:r>
-            <a:r>
-              <a:rPr lang="en-US" sz="2000" dirty="0" smtClean="0"/>
-              <a:t>this year ?</a:t>
-            </a:r>
-            <a:r>
-              <a:rPr lang="en-US" sz="2000" dirty="0" smtClean="0"/>
-              <a:t>”, “Does mean acquisition cost higher for SEA than Affiliation?... )</a:t>
+              <a:t>“Does revenue better for SEO than SEA this year ?”, “Does mean acquisition cost higher for SEA than Affiliation?... )</a:t>
             </a:r>
           </a:p>
           <a:p>
@@ -12594,13 +12574,8 @@
             <a:pPr lvl="1"/>
             <a:r>
               <a:rPr lang="en-GB" sz="3200" b="1" dirty="0" smtClean="0"/>
-              <a:t>II</a:t>
-            </a:r>
-            <a:r>
-              <a:rPr lang="en-GB" sz="3200" b="1" dirty="0" smtClean="0"/>
-              <a:t>/ CRM performance : Targeting</a:t>
-            </a:r>
-            <a:endParaRPr lang="en-GB" sz="3200" b="1" dirty="0" smtClean="0"/>
+              <a:t>II/ CRM performance : Targeting</a:t>
+            </a:r>
           </a:p>
         </p:txBody>
       </p:sp>
@@ -12970,6 +12945,207 @@
     <p:extLst>
       <p:ext uri="{BB962C8B-B14F-4D97-AF65-F5344CB8AC3E}">
         <p14:creationId xmlns:p14="http://schemas.microsoft.com/office/powerpoint/2010/main" val="1145451616"/>
+      </p:ext>
+    </p:extLst>
+  </p:cSld>
+  <p:clrMapOvr>
+    <a:masterClrMapping/>
+  </p:clrMapOvr>
+</p:sld>
+</file>
+
+<file path=ppt/slides/slide21.xml><?xml version="1.0" encoding="utf-8"?>
+<p:sld xmlns:a="http://schemas.openxmlformats.org/drawingml/2006/main" xmlns:r="http://schemas.openxmlformats.org/officeDocument/2006/relationships" xmlns:p="http://schemas.openxmlformats.org/presentationml/2006/main">
+  <p:cSld>
+    <p:spTree>
+      <p:nvGrpSpPr>
+        <p:cNvPr id="1" name=""/>
+        <p:cNvGrpSpPr/>
+        <p:nvPr/>
+      </p:nvGrpSpPr>
+      <p:grpSpPr>
+        <a:xfrm>
+          <a:off x="0" y="0"/>
+          <a:ext cx="0" cy="0"/>
+          <a:chOff x="0" y="0"/>
+          <a:chExt cx="0" cy="0"/>
+        </a:xfrm>
+      </p:grpSpPr>
+      <p:pic>
+        <p:nvPicPr>
+          <p:cNvPr id="6" name="Image 5" descr="logo.png"/>
+          <p:cNvPicPr>
+            <a:picLocks noChangeAspect="1"/>
+          </p:cNvPicPr>
+          <p:nvPr/>
+        </p:nvPicPr>
+        <p:blipFill>
+          <a:blip r:embed="rId2">
+            <a:extLst>
+              <a:ext uri="{28A0092B-C50C-407E-A947-70E740481C1C}">
+                <a14:useLocalDpi xmlns:a14="http://schemas.microsoft.com/office/drawing/2010/main" val="0"/>
+              </a:ext>
+            </a:extLst>
+          </a:blip>
+          <a:stretch>
+            <a:fillRect/>
+          </a:stretch>
+        </p:blipFill>
+        <p:spPr>
+          <a:xfrm>
+            <a:off x="328798" y="206230"/>
+            <a:ext cx="1904538" cy="649725"/>
+          </a:xfrm>
+          <a:prstGeom prst="rect">
+            <a:avLst/>
+          </a:prstGeom>
+        </p:spPr>
+      </p:pic>
+      <p:sp>
+        <p:nvSpPr>
+          <p:cNvPr id="11" name="Rectangle 10"/>
+          <p:cNvSpPr/>
+          <p:nvPr/>
+        </p:nvSpPr>
+        <p:spPr>
+          <a:xfrm>
+            <a:off x="2233336" y="271179"/>
+            <a:ext cx="7067902" cy="584776"/>
+          </a:xfrm>
+          <a:prstGeom prst="rect">
+            <a:avLst/>
+          </a:prstGeom>
+        </p:spPr>
+        <p:txBody>
+          <a:bodyPr wrap="square">
+            <a:spAutoFit/>
+          </a:bodyPr>
+          <a:lstStyle/>
+          <a:p>
+            <a:pPr lvl="1"/>
+            <a:r>
+              <a:rPr lang="en-GB" sz="3200" b="1" dirty="0" smtClean="0"/>
+              <a:t>Thanks !</a:t>
+            </a:r>
+            <a:endParaRPr lang="en-GB" sz="3200" b="1" dirty="0" smtClean="0"/>
+          </a:p>
+        </p:txBody>
+      </p:sp>
+      <p:sp>
+        <p:nvSpPr>
+          <p:cNvPr id="2" name="Rectangle 1"/>
+          <p:cNvSpPr/>
+          <p:nvPr/>
+        </p:nvSpPr>
+        <p:spPr>
+          <a:xfrm>
+            <a:off x="328798" y="1418003"/>
+            <a:ext cx="8972440" cy="923330"/>
+          </a:xfrm>
+          <a:prstGeom prst="rect">
+            <a:avLst/>
+          </a:prstGeom>
+        </p:spPr>
+        <p:txBody>
+          <a:bodyPr wrap="square">
+            <a:spAutoFit/>
+          </a:bodyPr>
+          <a:lstStyle/>
+          <a:p>
+            <a:pPr lvl="0"/>
+            <a:endParaRPr lang="en-US" b="1" dirty="0" smtClean="0"/>
+          </a:p>
+          <a:p>
+            <a:pPr lvl="0"/>
+            <a:endParaRPr lang="en-US" b="1" dirty="0"/>
+          </a:p>
+          <a:p>
+            <a:pPr lvl="0"/>
+            <a:r>
+              <a:rPr lang="en-US" b="1" dirty="0" smtClean="0"/>
+              <a:t>https</a:t>
+            </a:r>
+            <a:r>
+              <a:rPr lang="en-US" b="1" dirty="0"/>
+              <a:t>://</a:t>
+            </a:r>
+            <a:r>
+              <a:rPr lang="en-US" b="1" dirty="0" err="1"/>
+              <a:t>github.com</a:t>
+            </a:r>
+            <a:r>
+              <a:rPr lang="en-US" b="1" dirty="0"/>
+              <a:t>/Zailaoui75/</a:t>
+            </a:r>
+            <a:r>
+              <a:rPr lang="en-US" b="1" dirty="0" err="1"/>
+              <a:t>betclic_data</a:t>
+            </a:r>
+            <a:endParaRPr lang="fr-FR" b="1" dirty="0"/>
+          </a:p>
+        </p:txBody>
+      </p:sp>
+      <p:sp>
+        <p:nvSpPr>
+          <p:cNvPr id="3" name="Rectangle 2"/>
+          <p:cNvSpPr/>
+          <p:nvPr/>
+        </p:nvSpPr>
+        <p:spPr>
+          <a:xfrm>
+            <a:off x="328798" y="1290392"/>
+            <a:ext cx="6197322" cy="369332"/>
+          </a:xfrm>
+          <a:prstGeom prst="rect">
+            <a:avLst/>
+          </a:prstGeom>
+        </p:spPr>
+        <p:txBody>
+          <a:bodyPr wrap="square">
+            <a:spAutoFit/>
+          </a:bodyPr>
+          <a:lstStyle/>
+          <a:p>
+            <a:r>
+              <a:rPr lang="tr-TR" b="1" dirty="0" err="1"/>
+              <a:t>https</a:t>
+            </a:r>
+            <a:r>
+              <a:rPr lang="tr-TR" b="1" dirty="0"/>
+              <a:t>://</a:t>
+            </a:r>
+            <a:r>
+              <a:rPr lang="tr-TR" b="1" dirty="0" err="1"/>
+              <a:t>bva</a:t>
+            </a:r>
+            <a:r>
+              <a:rPr lang="tr-TR" b="1" dirty="0"/>
+              <a:t>-data-</a:t>
+            </a:r>
+            <a:r>
+              <a:rPr lang="tr-TR" b="1" dirty="0" err="1"/>
+              <a:t>viz.shinyapps.io</a:t>
+            </a:r>
+            <a:r>
+              <a:rPr lang="tr-TR" b="1" dirty="0"/>
+              <a:t>/</a:t>
+            </a:r>
+            <a:r>
+              <a:rPr lang="tr-TR" b="1" dirty="0" err="1"/>
+              <a:t>appli_shiny</a:t>
+            </a:r>
+            <a:r>
+              <a:rPr lang="tr-TR" b="1" dirty="0"/>
+              <a:t>/</a:t>
+            </a:r>
+            <a:endParaRPr lang="fr-FR" b="1" dirty="0"/>
+          </a:p>
+        </p:txBody>
+      </p:sp>
+    </p:spTree>
+    <p:extLst>
+      <p:ext uri="{BB962C8B-B14F-4D97-AF65-F5344CB8AC3E}">
+        <p14:creationId xmlns:p14="http://schemas.microsoft.com/office/powerpoint/2010/main" val="4026894390"/>
       </p:ext>
     </p:extLst>
   </p:cSld>
@@ -13132,15 +13308,7 @@
                   <a:srgbClr val="008000"/>
                 </a:solidFill>
               </a:rPr>
-              <a:t> Revenue</a:t>
-            </a:r>
-            <a:r>
-              <a:rPr lang="fr-FR" sz="2000" b="1" dirty="0" smtClean="0">
-                <a:solidFill>
-                  <a:srgbClr val="008000"/>
-                </a:solidFill>
-              </a:rPr>
-              <a:t> </a:t>
+              <a:t> Revenue </a:t>
             </a:r>
             <a:endParaRPr lang="fr-FR" sz="2000" b="1" dirty="0">
               <a:solidFill>
@@ -13321,15 +13489,7 @@
             </a:r>
             <a:r>
               <a:rPr lang="en-US" sz="2000" dirty="0" smtClean="0"/>
-              <a:t>Acquisition are </a:t>
-            </a:r>
-            <a:r>
-              <a:rPr lang="en-US" sz="2000" dirty="0" smtClean="0"/>
-              <a:t>fixed </a:t>
-            </a:r>
-            <a:r>
-              <a:rPr lang="en-US" sz="2000" dirty="0" smtClean="0"/>
-              <a:t>over time (once paid) </a:t>
+              <a:t>Acquisition are fixed over time (once paid) </a:t>
             </a:r>
             <a:r>
               <a:rPr lang="en-US" sz="2000" dirty="0"/>
@@ -13377,7 +13537,6 @@
               <a:rPr lang="en-GB" sz="3200" b="1" dirty="0" smtClean="0"/>
               <a:t>/ User Acquisition : Main KPIs</a:t>
             </a:r>
-            <a:endParaRPr lang="en-GB" sz="3200" b="1" dirty="0" smtClean="0"/>
           </a:p>
         </p:txBody>
       </p:sp>
@@ -13531,15 +13690,7 @@
             </a:r>
             <a:r>
               <a:rPr lang="en-GB" dirty="0" smtClean="0"/>
-              <a:t>(we don’t know future </a:t>
-            </a:r>
-            <a:r>
-              <a:rPr lang="en-GB" dirty="0" smtClean="0"/>
-              <a:t>revenues) </a:t>
-            </a:r>
-            <a:r>
-              <a:rPr lang="en-GB" dirty="0" smtClean="0"/>
-              <a:t>=&gt; Difficulty to compare old and new cohorts (old cohorts have “more value”)</a:t>
+              <a:t>(we don’t know future revenues) =&gt; Difficulty to compare old and new cohorts (old cohorts have “more value”)</a:t>
             </a:r>
           </a:p>
           <a:p>
@@ -13617,11 +13768,7 @@
             </a:r>
             <a:r>
               <a:rPr lang="en-GB" dirty="0" smtClean="0"/>
-              <a:t>r </a:t>
-            </a:r>
-            <a:r>
-              <a:rPr lang="en-GB" dirty="0" smtClean="0"/>
-              <a:t>beginning</a:t>
+              <a:t>r beginning</a:t>
             </a:r>
           </a:p>
           <a:p>
@@ -13640,15 +13787,7 @@
                   <a:srgbClr val="FF0000"/>
                 </a:solidFill>
               </a:rPr>
-              <a:t>Cash_Balance</a:t>
-            </a:r>
-            <a:r>
-              <a:rPr lang="en-GB" b="1" dirty="0" err="1" smtClean="0">
-                <a:solidFill>
-                  <a:srgbClr val="FF0000"/>
-                </a:solidFill>
-              </a:rPr>
-              <a:t>_Category</a:t>
+              <a:t>Cash_Balance_Category</a:t>
             </a:r>
             <a:r>
               <a:rPr lang="en-GB" b="1" dirty="0" smtClean="0">
@@ -13720,11 +13859,7 @@
             </a:r>
             <a:r>
               <a:rPr lang="en-GB" dirty="0" smtClean="0"/>
-              <a:t>We take into account </a:t>
-            </a:r>
-            <a:r>
-              <a:rPr lang="en-GB" dirty="0" smtClean="0"/>
-              <a:t>a new variable =&gt; </a:t>
+              <a:t>We take into account a new variable =&gt; </a:t>
             </a:r>
             <a:r>
               <a:rPr lang="en-GB" b="1" dirty="0" err="1" smtClean="0">
@@ -13742,11 +13877,6 @@
               </a:rPr>
               <a:t> </a:t>
             </a:r>
-            <a:endParaRPr lang="en-GB" b="1" dirty="0" smtClean="0">
-              <a:solidFill>
-                <a:srgbClr val="FF0000"/>
-              </a:solidFill>
-            </a:endParaRPr>
           </a:p>
           <a:p>
             <a:pPr lvl="1"/>
@@ -13886,7 +14016,6 @@
               <a:rPr lang="en-GB" sz="3200" b="1" dirty="0" smtClean="0"/>
               <a:t>/ User Acquisition : Main KPIs</a:t>
             </a:r>
-            <a:endParaRPr lang="en-GB" sz="3200" b="1" dirty="0" smtClean="0"/>
           </a:p>
         </p:txBody>
       </p:sp>
@@ -14048,7 +14177,6 @@
               <a:rPr lang="en-GB" sz="3200" b="1" dirty="0" smtClean="0"/>
               <a:t>/ User Acquisition : Main KPIs </a:t>
             </a:r>
-            <a:endParaRPr lang="en-GB" sz="3200" b="1" dirty="0" smtClean="0"/>
           </a:p>
         </p:txBody>
       </p:sp>
@@ -14291,7 +14419,6 @@
               <a:rPr lang="en-GB" sz="3200" b="1" dirty="0" smtClean="0"/>
               <a:t>/ User Acquisition : Main KPIs</a:t>
             </a:r>
-            <a:endParaRPr lang="en-GB" sz="3200" b="1" dirty="0" smtClean="0"/>
           </a:p>
         </p:txBody>
       </p:sp>
@@ -14399,11 +14526,7 @@
             </a:r>
             <a:r>
               <a:rPr lang="fr-FR" dirty="0" smtClean="0"/>
-              <a:t>),’inactive_1</a:t>
-            </a:r>
-            <a:r>
-              <a:rPr lang="fr-FR" dirty="0" smtClean="0"/>
-              <a:t>M’ (inactive </a:t>
+              <a:t>),’inactive_1M’ (inactive </a:t>
             </a:r>
             <a:r>
               <a:rPr lang="fr-FR" dirty="0" err="1" smtClean="0"/>
@@ -14411,11 +14534,7 @@
             </a:r>
             <a:r>
               <a:rPr lang="fr-FR" dirty="0" smtClean="0"/>
-              <a:t> 1M), ‘inactive_2M’, </a:t>
-            </a:r>
-            <a:r>
-              <a:rPr lang="fr-FR" dirty="0" smtClean="0"/>
-              <a:t>’inactive_3M_5M’, ‘inactive_6M_11M)</a:t>
+              <a:t> 1M), ‘inactive_2M’, ’inactive_3M_5M’, ‘inactive_6M_11M)</a:t>
             </a:r>
             <a:endParaRPr lang="fr-FR" dirty="0"/>
           </a:p>
@@ -14511,7 +14630,6 @@
               <a:rPr lang="en-GB" sz="3200" b="1" dirty="0" smtClean="0"/>
               <a:t>/ User Acquisition : Main KPIs</a:t>
             </a:r>
-            <a:endParaRPr lang="en-GB" sz="3200" b="1" dirty="0" smtClean="0"/>
           </a:p>
         </p:txBody>
       </p:sp>
